--- a/javascript-101-master/javascript-101-master/ppt/001 - DataTypes.pptx
+++ b/javascript-101-master/javascript-101-master/ppt/001 - DataTypes.pptx
@@ -5474,7 +5474,7 @@
           </a:ln>
           <a:extLst>
             <a:ext uri="{C572A759-6A51-4108-AA02-DFA0A04FC94B}">
-              <ma14:wrappingTextBoxFlag xmlns:ma14="http://schemas.microsoft.com/office/mac/drawingml/2011/main" xmlns:a14="http://schemas.microsoft.com/office/drawing/2010/main" xmlns:m="http://schemas.openxmlformats.org/officeDocument/2006/math" xmlns="" val="1"/>
+              <ma14:wrappingTextBoxFlag xmlns="" xmlns:m="http://schemas.openxmlformats.org/officeDocument/2006/math" xmlns:a14="http://schemas.microsoft.com/office/drawing/2010/main" xmlns:ma14="http://schemas.microsoft.com/office/mac/drawingml/2011/main" val="1"/>
             </a:ext>
           </a:extLst>
         </p:spPr>
@@ -5513,7 +5513,7 @@
           </a:ln>
           <a:extLst>
             <a:ext uri="{C572A759-6A51-4108-AA02-DFA0A04FC94B}">
-              <ma14:wrappingTextBoxFlag xmlns:ma14="http://schemas.microsoft.com/office/mac/drawingml/2011/main" xmlns:a14="http://schemas.microsoft.com/office/drawing/2010/main" xmlns:m="http://schemas.openxmlformats.org/officeDocument/2006/math" xmlns="" val="1"/>
+              <ma14:wrappingTextBoxFlag xmlns="" xmlns:m="http://schemas.openxmlformats.org/officeDocument/2006/math" xmlns:a14="http://schemas.microsoft.com/office/drawing/2010/main" xmlns:ma14="http://schemas.microsoft.com/office/mac/drawingml/2011/main" val="1"/>
             </a:ext>
           </a:extLst>
         </p:spPr>
@@ -6476,7 +6476,7 @@
             <a:effectLst/>
             <a:extLst>
               <a:ext uri="{C572A759-6A51-4108-AA02-DFA0A04FC94B}">
-                <ma14:wrappingTextBoxFlag xmlns:ma14="http://schemas.microsoft.com/office/mac/drawingml/2011/main" xmlns:a14="http://schemas.microsoft.com/office/drawing/2010/main" xmlns:m="http://schemas.openxmlformats.org/officeDocument/2006/math" xmlns="" val="1"/>
+                <ma14:wrappingTextBoxFlag xmlns="" xmlns:m="http://schemas.openxmlformats.org/officeDocument/2006/math" xmlns:a14="http://schemas.microsoft.com/office/drawing/2010/main" xmlns:ma14="http://schemas.microsoft.com/office/mac/drawingml/2011/main" val="1"/>
               </a:ext>
             </a:extLst>
           </p:spPr>
@@ -6562,7 +6562,7 @@
           </a:ln>
           <a:extLst>
             <a:ext uri="{C572A759-6A51-4108-AA02-DFA0A04FC94B}">
-              <ma14:wrappingTextBoxFlag xmlns:ma14="http://schemas.microsoft.com/office/mac/drawingml/2011/main" xmlns:a14="http://schemas.microsoft.com/office/drawing/2010/main" xmlns:m="http://schemas.openxmlformats.org/officeDocument/2006/math" xmlns="" val="1"/>
+              <ma14:wrappingTextBoxFlag xmlns="" xmlns:m="http://schemas.openxmlformats.org/officeDocument/2006/math" xmlns:a14="http://schemas.microsoft.com/office/drawing/2010/main" xmlns:ma14="http://schemas.microsoft.com/office/mac/drawingml/2011/main" val="1"/>
             </a:ext>
           </a:extLst>
         </p:spPr>
@@ -6635,7 +6635,7 @@
           </a:ln>
           <a:extLst>
             <a:ext uri="{C572A759-6A51-4108-AA02-DFA0A04FC94B}">
-              <ma14:wrappingTextBoxFlag xmlns:ma14="http://schemas.microsoft.com/office/mac/drawingml/2011/main" xmlns:a14="http://schemas.microsoft.com/office/drawing/2010/main" xmlns:m="http://schemas.openxmlformats.org/officeDocument/2006/math" xmlns="" val="1"/>
+              <ma14:wrappingTextBoxFlag xmlns="" xmlns:m="http://schemas.openxmlformats.org/officeDocument/2006/math" xmlns:a14="http://schemas.microsoft.com/office/drawing/2010/main" xmlns:ma14="http://schemas.microsoft.com/office/mac/drawingml/2011/main" val="1"/>
             </a:ext>
           </a:extLst>
         </p:spPr>
@@ -7103,7 +7103,7 @@
             <a:effectLst/>
             <a:extLst>
               <a:ext uri="{C572A759-6A51-4108-AA02-DFA0A04FC94B}">
-                <ma14:wrappingTextBoxFlag xmlns:ma14="http://schemas.microsoft.com/office/mac/drawingml/2011/main" xmlns:a14="http://schemas.microsoft.com/office/drawing/2010/main" xmlns:m="http://schemas.openxmlformats.org/officeDocument/2006/math" xmlns="" val="1"/>
+                <ma14:wrappingTextBoxFlag xmlns="" xmlns:m="http://schemas.openxmlformats.org/officeDocument/2006/math" xmlns:a14="http://schemas.microsoft.com/office/drawing/2010/main" xmlns:ma14="http://schemas.microsoft.com/office/mac/drawingml/2011/main" val="1"/>
               </a:ext>
             </a:extLst>
           </p:spPr>
@@ -7182,7 +7182,7 @@
           </a:ln>
           <a:extLst>
             <a:ext uri="{C572A759-6A51-4108-AA02-DFA0A04FC94B}">
-              <ma14:wrappingTextBoxFlag xmlns:ma14="http://schemas.microsoft.com/office/mac/drawingml/2011/main" xmlns:a14="http://schemas.microsoft.com/office/drawing/2010/main" xmlns:m="http://schemas.openxmlformats.org/officeDocument/2006/math" xmlns="" val="1"/>
+              <ma14:wrappingTextBoxFlag xmlns="" xmlns:m="http://schemas.openxmlformats.org/officeDocument/2006/math" xmlns:a14="http://schemas.microsoft.com/office/drawing/2010/main" xmlns:ma14="http://schemas.microsoft.com/office/mac/drawingml/2011/main" val="1"/>
             </a:ext>
           </a:extLst>
         </p:spPr>
@@ -7255,7 +7255,7 @@
           </a:ln>
           <a:extLst>
             <a:ext uri="{C572A759-6A51-4108-AA02-DFA0A04FC94B}">
-              <ma14:wrappingTextBoxFlag xmlns:ma14="http://schemas.microsoft.com/office/mac/drawingml/2011/main" xmlns:a14="http://schemas.microsoft.com/office/drawing/2010/main" xmlns:m="http://schemas.openxmlformats.org/officeDocument/2006/math" xmlns="" val="1"/>
+              <ma14:wrappingTextBoxFlag xmlns="" xmlns:m="http://schemas.openxmlformats.org/officeDocument/2006/math" xmlns:a14="http://schemas.microsoft.com/office/drawing/2010/main" xmlns:ma14="http://schemas.microsoft.com/office/mac/drawingml/2011/main" val="1"/>
             </a:ext>
           </a:extLst>
         </p:spPr>
@@ -8745,7 +8745,7 @@
           </a:ln>
           <a:extLst>
             <a:ext uri="{C572A759-6A51-4108-AA02-DFA0A04FC94B}">
-              <ma14:wrappingTextBoxFlag xmlns:ma14="http://schemas.microsoft.com/office/mac/drawingml/2011/main" xmlns:a14="http://schemas.microsoft.com/office/drawing/2010/main" xmlns:m="http://schemas.openxmlformats.org/officeDocument/2006/math" xmlns="" val="1"/>
+              <ma14:wrappingTextBoxFlag xmlns="" xmlns:m="http://schemas.openxmlformats.org/officeDocument/2006/math" xmlns:a14="http://schemas.microsoft.com/office/drawing/2010/main" xmlns:ma14="http://schemas.microsoft.com/office/mac/drawingml/2011/main" val="1"/>
             </a:ext>
           </a:extLst>
         </p:spPr>
@@ -8784,7 +8784,7 @@
           </a:ln>
           <a:extLst>
             <a:ext uri="{C572A759-6A51-4108-AA02-DFA0A04FC94B}">
-              <ma14:wrappingTextBoxFlag xmlns:ma14="http://schemas.microsoft.com/office/mac/drawingml/2011/main" xmlns:a14="http://schemas.microsoft.com/office/drawing/2010/main" xmlns:m="http://schemas.openxmlformats.org/officeDocument/2006/math" xmlns="" val="1"/>
+              <ma14:wrappingTextBoxFlag xmlns="" xmlns:m="http://schemas.openxmlformats.org/officeDocument/2006/math" xmlns:a14="http://schemas.microsoft.com/office/drawing/2010/main" xmlns:ma14="http://schemas.microsoft.com/office/mac/drawingml/2011/main" val="1"/>
             </a:ext>
           </a:extLst>
         </p:spPr>
@@ -8826,7 +8826,7 @@
           </a:ln>
           <a:extLst>
             <a:ext uri="{C572A759-6A51-4108-AA02-DFA0A04FC94B}">
-              <ma14:wrappingTextBoxFlag xmlns:ma14="http://schemas.microsoft.com/office/mac/drawingml/2011/main" xmlns:a14="http://schemas.microsoft.com/office/drawing/2010/main" xmlns:m="http://schemas.openxmlformats.org/officeDocument/2006/math" xmlns="" val="1"/>
+              <ma14:wrappingTextBoxFlag xmlns="" xmlns:m="http://schemas.openxmlformats.org/officeDocument/2006/math" xmlns:a14="http://schemas.microsoft.com/office/drawing/2010/main" xmlns:ma14="http://schemas.microsoft.com/office/mac/drawingml/2011/main" val="1"/>
             </a:ext>
           </a:extLst>
         </p:spPr>
@@ -9151,7 +9151,7 @@
           </a:ln>
           <a:extLst>
             <a:ext uri="{C572A759-6A51-4108-AA02-DFA0A04FC94B}">
-              <ma14:wrappingTextBoxFlag xmlns:ma14="http://schemas.microsoft.com/office/mac/drawingml/2011/main" xmlns:a14="http://schemas.microsoft.com/office/drawing/2010/main" xmlns:m="http://schemas.openxmlformats.org/officeDocument/2006/math" xmlns="" val="1"/>
+              <ma14:wrappingTextBoxFlag xmlns="" xmlns:m="http://schemas.openxmlformats.org/officeDocument/2006/math" xmlns:a14="http://schemas.microsoft.com/office/drawing/2010/main" xmlns:ma14="http://schemas.microsoft.com/office/mac/drawingml/2011/main" val="1"/>
             </a:ext>
           </a:extLst>
         </p:spPr>
@@ -9194,7 +9194,7 @@
           </a:ln>
           <a:extLst>
             <a:ext uri="{C572A759-6A51-4108-AA02-DFA0A04FC94B}">
-              <ma14:wrappingTextBoxFlag xmlns:ma14="http://schemas.microsoft.com/office/mac/drawingml/2011/main" xmlns:a14="http://schemas.microsoft.com/office/drawing/2010/main" xmlns:m="http://schemas.openxmlformats.org/officeDocument/2006/math" xmlns="" val="1"/>
+              <ma14:wrappingTextBoxFlag xmlns="" xmlns:m="http://schemas.openxmlformats.org/officeDocument/2006/math" xmlns:a14="http://schemas.microsoft.com/office/drawing/2010/main" xmlns:ma14="http://schemas.microsoft.com/office/mac/drawingml/2011/main" val="1"/>
             </a:ext>
           </a:extLst>
         </p:spPr>
@@ -9236,7 +9236,7 @@
           </a:ln>
           <a:extLst>
             <a:ext uri="{C572A759-6A51-4108-AA02-DFA0A04FC94B}">
-              <ma14:wrappingTextBoxFlag xmlns:ma14="http://schemas.microsoft.com/office/mac/drawingml/2011/main" xmlns:a14="http://schemas.microsoft.com/office/drawing/2010/main" xmlns:m="http://schemas.openxmlformats.org/officeDocument/2006/math" xmlns="" val="1"/>
+              <ma14:wrappingTextBoxFlag xmlns="" xmlns:m="http://schemas.openxmlformats.org/officeDocument/2006/math" xmlns:a14="http://schemas.microsoft.com/office/drawing/2010/main" xmlns:ma14="http://schemas.microsoft.com/office/mac/drawingml/2011/main" val="1"/>
             </a:ext>
           </a:extLst>
         </p:spPr>
@@ -9305,7 +9305,7 @@
           </a:ln>
           <a:extLst>
             <a:ext uri="{C572A759-6A51-4108-AA02-DFA0A04FC94B}">
-              <ma14:wrappingTextBoxFlag xmlns:ma14="http://schemas.microsoft.com/office/mac/drawingml/2011/main" xmlns:a14="http://schemas.microsoft.com/office/drawing/2010/main" xmlns:m="http://schemas.openxmlformats.org/officeDocument/2006/math" xmlns="" val="1"/>
+              <ma14:wrappingTextBoxFlag xmlns="" xmlns:m="http://schemas.openxmlformats.org/officeDocument/2006/math" xmlns:a14="http://schemas.microsoft.com/office/drawing/2010/main" xmlns:ma14="http://schemas.microsoft.com/office/mac/drawingml/2011/main" val="1"/>
             </a:ext>
           </a:extLst>
         </p:spPr>
@@ -10509,7 +10509,7 @@
           </a:ln>
           <a:extLst>
             <a:ext uri="{C572A759-6A51-4108-AA02-DFA0A04FC94B}">
-              <ma14:wrappingTextBoxFlag xmlns:ma14="http://schemas.microsoft.com/office/mac/drawingml/2011/main" xmlns:a14="http://schemas.microsoft.com/office/drawing/2010/main" xmlns:m="http://schemas.openxmlformats.org/officeDocument/2006/math" xmlns="" val="1"/>
+              <ma14:wrappingTextBoxFlag xmlns="" xmlns:m="http://schemas.openxmlformats.org/officeDocument/2006/math" xmlns:a14="http://schemas.microsoft.com/office/drawing/2010/main" xmlns:ma14="http://schemas.microsoft.com/office/mac/drawingml/2011/main" val="1"/>
             </a:ext>
           </a:extLst>
         </p:spPr>
@@ -10548,7 +10548,7 @@
           </a:ln>
           <a:extLst>
             <a:ext uri="{C572A759-6A51-4108-AA02-DFA0A04FC94B}">
-              <ma14:wrappingTextBoxFlag xmlns:ma14="http://schemas.microsoft.com/office/mac/drawingml/2011/main" xmlns:a14="http://schemas.microsoft.com/office/drawing/2010/main" xmlns:m="http://schemas.openxmlformats.org/officeDocument/2006/math" xmlns="" val="1"/>
+              <ma14:wrappingTextBoxFlag xmlns="" xmlns:m="http://schemas.openxmlformats.org/officeDocument/2006/math" xmlns:a14="http://schemas.microsoft.com/office/drawing/2010/main" xmlns:ma14="http://schemas.microsoft.com/office/mac/drawingml/2011/main" val="1"/>
             </a:ext>
           </a:extLst>
         </p:spPr>
@@ -10587,7 +10587,7 @@
           </a:ln>
           <a:extLst>
             <a:ext uri="{C572A759-6A51-4108-AA02-DFA0A04FC94B}">
-              <ma14:wrappingTextBoxFlag xmlns:ma14="http://schemas.microsoft.com/office/mac/drawingml/2011/main" xmlns:a14="http://schemas.microsoft.com/office/drawing/2010/main" xmlns:m="http://schemas.openxmlformats.org/officeDocument/2006/math" xmlns="" val="1"/>
+              <ma14:wrappingTextBoxFlag xmlns="" xmlns:m="http://schemas.openxmlformats.org/officeDocument/2006/math" xmlns:a14="http://schemas.microsoft.com/office/drawing/2010/main" xmlns:ma14="http://schemas.microsoft.com/office/mac/drawingml/2011/main" val="1"/>
             </a:ext>
           </a:extLst>
         </p:spPr>
@@ -10947,7 +10947,7 @@
           </a:ln>
           <a:extLst>
             <a:ext uri="{C572A759-6A51-4108-AA02-DFA0A04FC94B}">
-              <ma14:wrappingTextBoxFlag xmlns:ma14="http://schemas.microsoft.com/office/mac/drawingml/2011/main" xmlns:a14="http://schemas.microsoft.com/office/drawing/2010/main" xmlns:m="http://schemas.openxmlformats.org/officeDocument/2006/math" xmlns="" val="1"/>
+              <ma14:wrappingTextBoxFlag xmlns="" xmlns:m="http://schemas.openxmlformats.org/officeDocument/2006/math" xmlns:a14="http://schemas.microsoft.com/office/drawing/2010/main" xmlns:ma14="http://schemas.microsoft.com/office/mac/drawingml/2011/main" val="1"/>
             </a:ext>
           </a:extLst>
         </p:spPr>
@@ -11061,7 +11061,7 @@
           </a:ln>
           <a:extLst>
             <a:ext uri="{C572A759-6A51-4108-AA02-DFA0A04FC94B}">
-              <ma14:wrappingTextBoxFlag xmlns:ma14="http://schemas.microsoft.com/office/mac/drawingml/2011/main" xmlns:a14="http://schemas.microsoft.com/office/drawing/2010/main" xmlns:m="http://schemas.openxmlformats.org/officeDocument/2006/math" xmlns="" val="1"/>
+              <ma14:wrappingTextBoxFlag xmlns="" xmlns:m="http://schemas.openxmlformats.org/officeDocument/2006/math" xmlns:a14="http://schemas.microsoft.com/office/drawing/2010/main" xmlns:ma14="http://schemas.microsoft.com/office/mac/drawingml/2011/main" val="1"/>
             </a:ext>
           </a:extLst>
         </p:spPr>
@@ -11666,7 +11666,7 @@
           </a:ln>
           <a:extLst>
             <a:ext uri="{C572A759-6A51-4108-AA02-DFA0A04FC94B}">
-              <ma14:wrappingTextBoxFlag xmlns:ma14="http://schemas.microsoft.com/office/mac/drawingml/2011/main" xmlns:a14="http://schemas.microsoft.com/office/drawing/2010/main" xmlns:m="http://schemas.openxmlformats.org/officeDocument/2006/math" xmlns="" val="1"/>
+              <ma14:wrappingTextBoxFlag xmlns="" xmlns:m="http://schemas.openxmlformats.org/officeDocument/2006/math" xmlns:a14="http://schemas.microsoft.com/office/drawing/2010/main" xmlns:ma14="http://schemas.microsoft.com/office/mac/drawingml/2011/main" val="1"/>
             </a:ext>
           </a:extLst>
         </p:spPr>
@@ -14104,6 +14104,7 @@
               <a:defRPr sz="1700"/>
             </a:pPr>
             <a:r>
+              <a:rPr dirty="0"/>
               <a:t>function f()</a:t>
             </a:r>
           </a:p>
@@ -14117,6 +14118,7 @@
               <a:defRPr sz="1700"/>
             </a:pPr>
             <a:r>
+              <a:rPr dirty="0"/>
               <a:t>{</a:t>
             </a:r>
           </a:p>
@@ -14130,6 +14132,7 @@
               <a:defRPr sz="1700"/>
             </a:pPr>
             <a:r>
+              <a:rPr dirty="0"/>
               <a:t>var m1 = 10;</a:t>
             </a:r>
           </a:p>
@@ -14143,6 +14146,7 @@
               <a:defRPr sz="1700"/>
             </a:pPr>
             <a:r>
+              <a:rPr dirty="0"/>
               <a:t>var m2 = 10;</a:t>
             </a:r>
           </a:p>
@@ -14156,7 +14160,15 @@
               <a:defRPr sz="1700"/>
             </a:pPr>
             <a:r>
-              <a:t>if(m1==m1)</a:t>
+              <a:rPr dirty="0"/>
+              <a:t>if(m1==m</a:t>
+            </a:r>
+            <a:r>
+              <a:rPr lang="en-IN"/>
+              <a:t>2</a:t>
+            </a:r>
+            <a:r>
+              <a:t>)</a:t>
             </a:r>
           </a:p>
           <a:p>
@@ -14169,6 +14181,7 @@
               <a:defRPr sz="1700"/>
             </a:pPr>
             <a:r>
+              <a:rPr dirty="0"/>
               <a:t>{</a:t>
             </a:r>
           </a:p>
@@ -14182,6 +14195,7 @@
               <a:defRPr sz="1700"/>
             </a:pPr>
             <a:r>
+              <a:rPr dirty="0"/>
               <a:t>console.log("Equal");</a:t>
             </a:r>
           </a:p>
@@ -14195,6 +14209,7 @@
               <a:defRPr sz="1700"/>
             </a:pPr>
             <a:r>
+              <a:rPr dirty="0"/>
               <a:t>}</a:t>
             </a:r>
           </a:p>
@@ -14208,6 +14223,7 @@
               <a:defRPr sz="1700"/>
             </a:pPr>
             <a:r>
+              <a:rPr dirty="0"/>
               <a:t>else</a:t>
             </a:r>
           </a:p>
@@ -14221,6 +14237,7 @@
               <a:defRPr sz="1700"/>
             </a:pPr>
             <a:r>
+              <a:rPr dirty="0"/>
               <a:t>{</a:t>
             </a:r>
           </a:p>
@@ -14234,6 +14251,7 @@
               <a:defRPr sz="1700"/>
             </a:pPr>
             <a:r>
+              <a:rPr dirty="0"/>
               <a:t>console.log("Not Equal");</a:t>
             </a:r>
           </a:p>
@@ -14247,6 +14265,7 @@
               <a:defRPr sz="1700"/>
             </a:pPr>
             <a:r>
+              <a:rPr dirty="0"/>
               <a:t>}</a:t>
             </a:r>
           </a:p>
@@ -14260,6 +14279,7 @@
               <a:defRPr sz="1700"/>
             </a:pPr>
             <a:r>
+              <a:rPr dirty="0"/>
               <a:t>}</a:t>
             </a:r>
           </a:p>
@@ -14284,7 +14304,7 @@
           </a:ln>
           <a:extLst>
             <a:ext uri="{C572A759-6A51-4108-AA02-DFA0A04FC94B}">
-              <ma14:wrappingTextBoxFlag xmlns:ma14="http://schemas.microsoft.com/office/mac/drawingml/2011/main" xmlns:a14="http://schemas.microsoft.com/office/drawing/2010/main" xmlns:m="http://schemas.openxmlformats.org/officeDocument/2006/math" xmlns="" val="1"/>
+              <ma14:wrappingTextBoxFlag xmlns="" xmlns:m="http://schemas.openxmlformats.org/officeDocument/2006/math" xmlns:a14="http://schemas.microsoft.com/office/drawing/2010/main" xmlns:ma14="http://schemas.microsoft.com/office/mac/drawingml/2011/main" val="1"/>
             </a:ext>
           </a:extLst>
         </p:spPr>
@@ -14496,7 +14516,7 @@
           </a:ln>
           <a:extLst>
             <a:ext uri="{C572A759-6A51-4108-AA02-DFA0A04FC94B}">
-              <ma14:wrappingTextBoxFlag xmlns:ma14="http://schemas.microsoft.com/office/mac/drawingml/2011/main" xmlns:a14="http://schemas.microsoft.com/office/drawing/2010/main" xmlns:m="http://schemas.openxmlformats.org/officeDocument/2006/math" xmlns="" val="1"/>
+              <ma14:wrappingTextBoxFlag xmlns="" xmlns:m="http://schemas.openxmlformats.org/officeDocument/2006/math" xmlns:a14="http://schemas.microsoft.com/office/drawing/2010/main" xmlns:ma14="http://schemas.microsoft.com/office/mac/drawingml/2011/main" val="1"/>
             </a:ext>
           </a:extLst>
         </p:spPr>
@@ -14884,7 +14904,7 @@
           </a:ln>
           <a:extLst>
             <a:ext uri="{C572A759-6A51-4108-AA02-DFA0A04FC94B}">
-              <ma14:wrappingTextBoxFlag xmlns:ma14="http://schemas.microsoft.com/office/mac/drawingml/2011/main" xmlns:a14="http://schemas.microsoft.com/office/drawing/2010/main" xmlns:m="http://schemas.openxmlformats.org/officeDocument/2006/math" xmlns="" val="1"/>
+              <ma14:wrappingTextBoxFlag xmlns="" xmlns:m="http://schemas.openxmlformats.org/officeDocument/2006/math" xmlns:a14="http://schemas.microsoft.com/office/drawing/2010/main" xmlns:ma14="http://schemas.microsoft.com/office/mac/drawingml/2011/main" val="1"/>
             </a:ext>
           </a:extLst>
         </p:spPr>
@@ -15321,7 +15341,7 @@
           </a:ln>
           <a:extLst>
             <a:ext uri="{C572A759-6A51-4108-AA02-DFA0A04FC94B}">
-              <ma14:wrappingTextBoxFlag xmlns:ma14="http://schemas.microsoft.com/office/mac/drawingml/2011/main" xmlns:a14="http://schemas.microsoft.com/office/drawing/2010/main" xmlns:m="http://schemas.openxmlformats.org/officeDocument/2006/math" xmlns="" val="1"/>
+              <ma14:wrappingTextBoxFlag xmlns="" xmlns:m="http://schemas.openxmlformats.org/officeDocument/2006/math" xmlns:a14="http://schemas.microsoft.com/office/drawing/2010/main" xmlns:ma14="http://schemas.microsoft.com/office/mac/drawingml/2011/main" val="1"/>
             </a:ext>
           </a:extLst>
         </p:spPr>
@@ -16035,7 +16055,7 @@
             <a:effectLst/>
             <a:extLst>
               <a:ext uri="{C572A759-6A51-4108-AA02-DFA0A04FC94B}">
-                <ma14:wrappingTextBoxFlag xmlns:ma14="http://schemas.microsoft.com/office/mac/drawingml/2011/main" xmlns:a14="http://schemas.microsoft.com/office/drawing/2010/main" xmlns:m="http://schemas.openxmlformats.org/officeDocument/2006/math" xmlns="" val="1"/>
+                <ma14:wrappingTextBoxFlag xmlns="" xmlns:m="http://schemas.openxmlformats.org/officeDocument/2006/math" xmlns:a14="http://schemas.microsoft.com/office/drawing/2010/main" xmlns:ma14="http://schemas.microsoft.com/office/mac/drawingml/2011/main" val="1"/>
               </a:ext>
             </a:extLst>
           </p:spPr>
@@ -16114,7 +16134,7 @@
           </a:ln>
           <a:extLst>
             <a:ext uri="{C572A759-6A51-4108-AA02-DFA0A04FC94B}">
-              <ma14:wrappingTextBoxFlag xmlns:ma14="http://schemas.microsoft.com/office/mac/drawingml/2011/main" xmlns:a14="http://schemas.microsoft.com/office/drawing/2010/main" xmlns:m="http://schemas.openxmlformats.org/officeDocument/2006/math" xmlns="" val="1"/>
+              <ma14:wrappingTextBoxFlag xmlns="" xmlns:m="http://schemas.openxmlformats.org/officeDocument/2006/math" xmlns:a14="http://schemas.microsoft.com/office/drawing/2010/main" xmlns:ma14="http://schemas.microsoft.com/office/mac/drawingml/2011/main" val="1"/>
             </a:ext>
           </a:extLst>
         </p:spPr>
@@ -16187,7 +16207,7 @@
           </a:ln>
           <a:extLst>
             <a:ext uri="{C572A759-6A51-4108-AA02-DFA0A04FC94B}">
-              <ma14:wrappingTextBoxFlag xmlns:ma14="http://schemas.microsoft.com/office/mac/drawingml/2011/main" xmlns:a14="http://schemas.microsoft.com/office/drawing/2010/main" xmlns:m="http://schemas.openxmlformats.org/officeDocument/2006/math" xmlns="" val="1"/>
+              <ma14:wrappingTextBoxFlag xmlns="" xmlns:m="http://schemas.openxmlformats.org/officeDocument/2006/math" xmlns:a14="http://schemas.microsoft.com/office/drawing/2010/main" xmlns:ma14="http://schemas.microsoft.com/office/mac/drawingml/2011/main" val="1"/>
             </a:ext>
           </a:extLst>
         </p:spPr>
@@ -16284,7 +16304,7 @@
           </a:ln>
           <a:extLst>
             <a:ext uri="{C572A759-6A51-4108-AA02-DFA0A04FC94B}">
-              <ma14:wrappingTextBoxFlag xmlns:ma14="http://schemas.microsoft.com/office/mac/drawingml/2011/main" xmlns:a14="http://schemas.microsoft.com/office/drawing/2010/main" xmlns:m="http://schemas.openxmlformats.org/officeDocument/2006/math" xmlns="" val="1"/>
+              <ma14:wrappingTextBoxFlag xmlns="" xmlns:m="http://schemas.openxmlformats.org/officeDocument/2006/math" xmlns:a14="http://schemas.microsoft.com/office/drawing/2010/main" xmlns:ma14="http://schemas.microsoft.com/office/mac/drawingml/2011/main" val="1"/>
             </a:ext>
           </a:extLst>
         </p:spPr>
@@ -16468,7 +16488,7 @@
           </a:ln>
           <a:extLst>
             <a:ext uri="{C572A759-6A51-4108-AA02-DFA0A04FC94B}">
-              <ma14:wrappingTextBoxFlag xmlns:ma14="http://schemas.microsoft.com/office/mac/drawingml/2011/main" xmlns:a14="http://schemas.microsoft.com/office/drawing/2010/main" xmlns:m="http://schemas.openxmlformats.org/officeDocument/2006/math" xmlns="" val="1"/>
+              <ma14:wrappingTextBoxFlag xmlns="" xmlns:m="http://schemas.openxmlformats.org/officeDocument/2006/math" xmlns:a14="http://schemas.microsoft.com/office/drawing/2010/main" xmlns:ma14="http://schemas.microsoft.com/office/mac/drawingml/2011/main" val="1"/>
             </a:ext>
           </a:extLst>
         </p:spPr>
@@ -16650,7 +16670,7 @@
           </a:ln>
           <a:extLst>
             <a:ext uri="{C572A759-6A51-4108-AA02-DFA0A04FC94B}">
-              <ma14:wrappingTextBoxFlag xmlns:ma14="http://schemas.microsoft.com/office/mac/drawingml/2011/main" xmlns:a14="http://schemas.microsoft.com/office/drawing/2010/main" xmlns:m="http://schemas.openxmlformats.org/officeDocument/2006/math" xmlns="" val="1"/>
+              <ma14:wrappingTextBoxFlag xmlns="" xmlns:m="http://schemas.openxmlformats.org/officeDocument/2006/math" xmlns:a14="http://schemas.microsoft.com/office/drawing/2010/main" xmlns:ma14="http://schemas.microsoft.com/office/mac/drawingml/2011/main" val="1"/>
             </a:ext>
           </a:extLst>
         </p:spPr>
@@ -16762,7 +16782,7 @@
           </a:ln>
           <a:extLst>
             <a:ext uri="{C572A759-6A51-4108-AA02-DFA0A04FC94B}">
-              <ma14:wrappingTextBoxFlag xmlns:ma14="http://schemas.microsoft.com/office/mac/drawingml/2011/main" xmlns:a14="http://schemas.microsoft.com/office/drawing/2010/main" xmlns:m="http://schemas.openxmlformats.org/officeDocument/2006/math" xmlns="" val="1"/>
+              <ma14:wrappingTextBoxFlag xmlns="" xmlns:m="http://schemas.openxmlformats.org/officeDocument/2006/math" xmlns:a14="http://schemas.microsoft.com/office/drawing/2010/main" xmlns:ma14="http://schemas.microsoft.com/office/mac/drawingml/2011/main" val="1"/>
             </a:ext>
           </a:extLst>
         </p:spPr>
@@ -17237,7 +17257,7 @@
           </a:ln>
           <a:extLst>
             <a:ext uri="{C572A759-6A51-4108-AA02-DFA0A04FC94B}">
-              <ma14:wrappingTextBoxFlag xmlns:ma14="http://schemas.microsoft.com/office/mac/drawingml/2011/main" xmlns:a14="http://schemas.microsoft.com/office/drawing/2010/main" xmlns:m="http://schemas.openxmlformats.org/officeDocument/2006/math" xmlns="" val="1"/>
+              <ma14:wrappingTextBoxFlag xmlns="" xmlns:m="http://schemas.openxmlformats.org/officeDocument/2006/math" xmlns:a14="http://schemas.microsoft.com/office/drawing/2010/main" xmlns:ma14="http://schemas.microsoft.com/office/mac/drawingml/2011/main" val="1"/>
             </a:ext>
           </a:extLst>
         </p:spPr>
@@ -17310,7 +17330,7 @@
           </a:ln>
           <a:extLst>
             <a:ext uri="{C572A759-6A51-4108-AA02-DFA0A04FC94B}">
-              <ma14:wrappingTextBoxFlag xmlns:ma14="http://schemas.microsoft.com/office/mac/drawingml/2011/main" xmlns:a14="http://schemas.microsoft.com/office/drawing/2010/main" xmlns:m="http://schemas.openxmlformats.org/officeDocument/2006/math" xmlns="" val="1"/>
+              <ma14:wrappingTextBoxFlag xmlns="" xmlns:m="http://schemas.openxmlformats.org/officeDocument/2006/math" xmlns:a14="http://schemas.microsoft.com/office/drawing/2010/main" xmlns:ma14="http://schemas.microsoft.com/office/mac/drawingml/2011/main" val="1"/>
             </a:ext>
           </a:extLst>
         </p:spPr>
@@ -17424,7 +17444,7 @@
           </a:ln>
           <a:extLst>
             <a:ext uri="{C572A759-6A51-4108-AA02-DFA0A04FC94B}">
-              <ma14:wrappingTextBoxFlag xmlns:ma14="http://schemas.microsoft.com/office/mac/drawingml/2011/main" xmlns:a14="http://schemas.microsoft.com/office/drawing/2010/main" xmlns:m="http://schemas.openxmlformats.org/officeDocument/2006/math" xmlns="" val="1"/>
+              <ma14:wrappingTextBoxFlag xmlns="" xmlns:m="http://schemas.openxmlformats.org/officeDocument/2006/math" xmlns:a14="http://schemas.microsoft.com/office/drawing/2010/main" xmlns:ma14="http://schemas.microsoft.com/office/mac/drawingml/2011/main" val="1"/>
             </a:ext>
           </a:extLst>
         </p:spPr>
@@ -17908,7 +17928,7 @@
           </a:ln>
           <a:extLst>
             <a:ext uri="{C572A759-6A51-4108-AA02-DFA0A04FC94B}">
-              <ma14:wrappingTextBoxFlag xmlns:ma14="http://schemas.microsoft.com/office/mac/drawingml/2011/main" xmlns:a14="http://schemas.microsoft.com/office/drawing/2010/main" xmlns:m="http://schemas.openxmlformats.org/officeDocument/2006/math" xmlns="" val="1"/>
+              <ma14:wrappingTextBoxFlag xmlns="" xmlns:m="http://schemas.openxmlformats.org/officeDocument/2006/math" xmlns:a14="http://schemas.microsoft.com/office/drawing/2010/main" xmlns:ma14="http://schemas.microsoft.com/office/mac/drawingml/2011/main" val="1"/>
             </a:ext>
           </a:extLst>
         </p:spPr>
@@ -18024,7 +18044,7 @@
           </a:ln>
           <a:extLst>
             <a:ext uri="{C572A759-6A51-4108-AA02-DFA0A04FC94B}">
-              <ma14:wrappingTextBoxFlag xmlns:ma14="http://schemas.microsoft.com/office/mac/drawingml/2011/main" xmlns:a14="http://schemas.microsoft.com/office/drawing/2010/main" xmlns:m="http://schemas.openxmlformats.org/officeDocument/2006/math" xmlns="" val="1"/>
+              <ma14:wrappingTextBoxFlag xmlns="" xmlns:m="http://schemas.openxmlformats.org/officeDocument/2006/math" xmlns:a14="http://schemas.microsoft.com/office/drawing/2010/main" xmlns:ma14="http://schemas.microsoft.com/office/mac/drawingml/2011/main" val="1"/>
             </a:ext>
           </a:extLst>
         </p:spPr>
@@ -18116,7 +18136,7 @@
           </a:ln>
           <a:extLst>
             <a:ext uri="{C572A759-6A51-4108-AA02-DFA0A04FC94B}">
-              <ma14:wrappingTextBoxFlag xmlns:ma14="http://schemas.microsoft.com/office/mac/drawingml/2011/main" xmlns:a14="http://schemas.microsoft.com/office/drawing/2010/main" xmlns:m="http://schemas.openxmlformats.org/officeDocument/2006/math" xmlns="" val="1"/>
+              <ma14:wrappingTextBoxFlag xmlns="" xmlns:m="http://schemas.openxmlformats.org/officeDocument/2006/math" xmlns:a14="http://schemas.microsoft.com/office/drawing/2010/main" xmlns:ma14="http://schemas.microsoft.com/office/mac/drawingml/2011/main" val="1"/>
             </a:ext>
           </a:extLst>
         </p:spPr>
@@ -18163,7 +18183,7 @@
           </a:ln>
           <a:extLst>
             <a:ext uri="{C572A759-6A51-4108-AA02-DFA0A04FC94B}">
-              <ma14:wrappingTextBoxFlag xmlns:ma14="http://schemas.microsoft.com/office/mac/drawingml/2011/main" xmlns:a14="http://schemas.microsoft.com/office/drawing/2010/main" xmlns:m="http://schemas.openxmlformats.org/officeDocument/2006/math" xmlns="" val="1"/>
+              <ma14:wrappingTextBoxFlag xmlns="" xmlns:m="http://schemas.openxmlformats.org/officeDocument/2006/math" xmlns:a14="http://schemas.microsoft.com/office/drawing/2010/main" xmlns:ma14="http://schemas.microsoft.com/office/mac/drawingml/2011/main" val="1"/>
             </a:ext>
           </a:extLst>
         </p:spPr>
@@ -18566,7 +18586,7 @@
           </a:ln>
           <a:extLst>
             <a:ext uri="{C572A759-6A51-4108-AA02-DFA0A04FC94B}">
-              <ma14:wrappingTextBoxFlag xmlns:ma14="http://schemas.microsoft.com/office/mac/drawingml/2011/main" xmlns:a14="http://schemas.microsoft.com/office/drawing/2010/main" xmlns:m="http://schemas.openxmlformats.org/officeDocument/2006/math" xmlns="" val="1"/>
+              <ma14:wrappingTextBoxFlag xmlns="" xmlns:m="http://schemas.openxmlformats.org/officeDocument/2006/math" xmlns:a14="http://schemas.microsoft.com/office/drawing/2010/main" xmlns:ma14="http://schemas.microsoft.com/office/mac/drawingml/2011/main" val="1"/>
             </a:ext>
           </a:extLst>
         </p:spPr>
@@ -18682,7 +18702,7 @@
           </a:ln>
           <a:extLst>
             <a:ext uri="{C572A759-6A51-4108-AA02-DFA0A04FC94B}">
-              <ma14:wrappingTextBoxFlag xmlns:ma14="http://schemas.microsoft.com/office/mac/drawingml/2011/main" xmlns:a14="http://schemas.microsoft.com/office/drawing/2010/main" xmlns:m="http://schemas.openxmlformats.org/officeDocument/2006/math" xmlns="" val="1"/>
+              <ma14:wrappingTextBoxFlag xmlns="" xmlns:m="http://schemas.openxmlformats.org/officeDocument/2006/math" xmlns:a14="http://schemas.microsoft.com/office/drawing/2010/main" xmlns:ma14="http://schemas.microsoft.com/office/mac/drawingml/2011/main" val="1"/>
             </a:ext>
           </a:extLst>
         </p:spPr>
@@ -18779,7 +18799,7 @@
           </a:ln>
           <a:extLst>
             <a:ext uri="{C572A759-6A51-4108-AA02-DFA0A04FC94B}">
-              <ma14:wrappingTextBoxFlag xmlns:ma14="http://schemas.microsoft.com/office/mac/drawingml/2011/main" xmlns:a14="http://schemas.microsoft.com/office/drawing/2010/main" xmlns:m="http://schemas.openxmlformats.org/officeDocument/2006/math" xmlns="" val="1"/>
+              <ma14:wrappingTextBoxFlag xmlns="" xmlns:m="http://schemas.openxmlformats.org/officeDocument/2006/math" xmlns:a14="http://schemas.microsoft.com/office/drawing/2010/main" xmlns:ma14="http://schemas.microsoft.com/office/mac/drawingml/2011/main" val="1"/>
             </a:ext>
           </a:extLst>
         </p:spPr>
@@ -18848,7 +18868,7 @@
           </a:ln>
           <a:extLst>
             <a:ext uri="{C572A759-6A51-4108-AA02-DFA0A04FC94B}">
-              <ma14:wrappingTextBoxFlag xmlns:ma14="http://schemas.microsoft.com/office/mac/drawingml/2011/main" xmlns:a14="http://schemas.microsoft.com/office/drawing/2010/main" xmlns:m="http://schemas.openxmlformats.org/officeDocument/2006/math" xmlns="" val="1"/>
+              <ma14:wrappingTextBoxFlag xmlns="" xmlns:m="http://schemas.openxmlformats.org/officeDocument/2006/math" xmlns:a14="http://schemas.microsoft.com/office/drawing/2010/main" xmlns:ma14="http://schemas.microsoft.com/office/mac/drawingml/2011/main" val="1"/>
             </a:ext>
           </a:extLst>
         </p:spPr>
@@ -18892,7 +18912,7 @@
           </a:ln>
           <a:extLst>
             <a:ext uri="{C572A759-6A51-4108-AA02-DFA0A04FC94B}">
-              <ma14:wrappingTextBoxFlag xmlns:ma14="http://schemas.microsoft.com/office/mac/drawingml/2011/main" xmlns:a14="http://schemas.microsoft.com/office/drawing/2010/main" xmlns:m="http://schemas.openxmlformats.org/officeDocument/2006/math" xmlns="" val="1"/>
+              <ma14:wrappingTextBoxFlag xmlns="" xmlns:m="http://schemas.openxmlformats.org/officeDocument/2006/math" xmlns:a14="http://schemas.microsoft.com/office/drawing/2010/main" xmlns:ma14="http://schemas.microsoft.com/office/mac/drawingml/2011/main" val="1"/>
             </a:ext>
           </a:extLst>
         </p:spPr>
@@ -19496,7 +19516,7 @@
           </a:ln>
           <a:extLst>
             <a:ext uri="{C572A759-6A51-4108-AA02-DFA0A04FC94B}">
-              <ma14:wrappingTextBoxFlag xmlns:ma14="http://schemas.microsoft.com/office/mac/drawingml/2011/main" xmlns:a14="http://schemas.microsoft.com/office/drawing/2010/main" xmlns:m="http://schemas.openxmlformats.org/officeDocument/2006/math" xmlns="" val="1"/>
+              <ma14:wrappingTextBoxFlag xmlns="" xmlns:m="http://schemas.openxmlformats.org/officeDocument/2006/math" xmlns:a14="http://schemas.microsoft.com/office/drawing/2010/main" xmlns:ma14="http://schemas.microsoft.com/office/mac/drawingml/2011/main" val="1"/>
             </a:ext>
           </a:extLst>
         </p:spPr>
@@ -19558,7 +19578,7 @@
           </a:ln>
           <a:extLst>
             <a:ext uri="{C572A759-6A51-4108-AA02-DFA0A04FC94B}">
-              <ma14:wrappingTextBoxFlag xmlns:ma14="http://schemas.microsoft.com/office/mac/drawingml/2011/main" xmlns:a14="http://schemas.microsoft.com/office/drawing/2010/main" xmlns:m="http://schemas.openxmlformats.org/officeDocument/2006/math" xmlns="" val="1"/>
+              <ma14:wrappingTextBoxFlag xmlns="" xmlns:m="http://schemas.openxmlformats.org/officeDocument/2006/math" xmlns:a14="http://schemas.microsoft.com/office/drawing/2010/main" xmlns:ma14="http://schemas.microsoft.com/office/mac/drawingml/2011/main" val="1"/>
             </a:ext>
           </a:extLst>
         </p:spPr>
@@ -20042,7 +20062,7 @@
           </a:ln>
           <a:extLst>
             <a:ext uri="{C572A759-6A51-4108-AA02-DFA0A04FC94B}">
-              <ma14:wrappingTextBoxFlag xmlns:ma14="http://schemas.microsoft.com/office/mac/drawingml/2011/main" xmlns:a14="http://schemas.microsoft.com/office/drawing/2010/main" xmlns:m="http://schemas.openxmlformats.org/officeDocument/2006/math" xmlns="" val="1"/>
+              <ma14:wrappingTextBoxFlag xmlns="" xmlns:m="http://schemas.openxmlformats.org/officeDocument/2006/math" xmlns:a14="http://schemas.microsoft.com/office/drawing/2010/main" xmlns:ma14="http://schemas.microsoft.com/office/mac/drawingml/2011/main" val="1"/>
             </a:ext>
           </a:extLst>
         </p:spPr>
@@ -20108,7 +20128,7 @@
           </a:ln>
           <a:extLst>
             <a:ext uri="{C572A759-6A51-4108-AA02-DFA0A04FC94B}">
-              <ma14:wrappingTextBoxFlag xmlns:ma14="http://schemas.microsoft.com/office/mac/drawingml/2011/main" xmlns:a14="http://schemas.microsoft.com/office/drawing/2010/main" xmlns:m="http://schemas.openxmlformats.org/officeDocument/2006/math" xmlns="" val="1"/>
+              <ma14:wrappingTextBoxFlag xmlns="" xmlns:m="http://schemas.openxmlformats.org/officeDocument/2006/math" xmlns:a14="http://schemas.microsoft.com/office/drawing/2010/main" xmlns:ma14="http://schemas.microsoft.com/office/mac/drawingml/2011/main" val="1"/>
             </a:ext>
           </a:extLst>
         </p:spPr>
@@ -20527,7 +20547,7 @@
             <a:effectLst/>
             <a:extLst>
               <a:ext uri="{C572A759-6A51-4108-AA02-DFA0A04FC94B}">
-                <ma14:wrappingTextBoxFlag xmlns:ma14="http://schemas.microsoft.com/office/mac/drawingml/2011/main" xmlns:a14="http://schemas.microsoft.com/office/drawing/2010/main" xmlns:m="http://schemas.openxmlformats.org/officeDocument/2006/math" xmlns="" val="1"/>
+                <ma14:wrappingTextBoxFlag xmlns="" xmlns:m="http://schemas.openxmlformats.org/officeDocument/2006/math" xmlns:a14="http://schemas.microsoft.com/office/drawing/2010/main" xmlns:ma14="http://schemas.microsoft.com/office/mac/drawingml/2011/main" val="1"/>
               </a:ext>
             </a:extLst>
           </p:spPr>
@@ -20607,7 +20627,7 @@
           </a:ln>
           <a:extLst>
             <a:ext uri="{C572A759-6A51-4108-AA02-DFA0A04FC94B}">
-              <ma14:wrappingTextBoxFlag xmlns:ma14="http://schemas.microsoft.com/office/mac/drawingml/2011/main" xmlns:a14="http://schemas.microsoft.com/office/drawing/2010/main" xmlns:m="http://schemas.openxmlformats.org/officeDocument/2006/math" xmlns="" val="1"/>
+              <ma14:wrappingTextBoxFlag xmlns="" xmlns:m="http://schemas.openxmlformats.org/officeDocument/2006/math" xmlns:a14="http://schemas.microsoft.com/office/drawing/2010/main" xmlns:ma14="http://schemas.microsoft.com/office/mac/drawingml/2011/main" val="1"/>
             </a:ext>
           </a:extLst>
         </p:spPr>
@@ -20680,7 +20700,7 @@
           </a:ln>
           <a:extLst>
             <a:ext uri="{C572A759-6A51-4108-AA02-DFA0A04FC94B}">
-              <ma14:wrappingTextBoxFlag xmlns:ma14="http://schemas.microsoft.com/office/mac/drawingml/2011/main" xmlns:a14="http://schemas.microsoft.com/office/drawing/2010/main" xmlns:m="http://schemas.openxmlformats.org/officeDocument/2006/math" xmlns="" val="1"/>
+              <ma14:wrappingTextBoxFlag xmlns="" xmlns:m="http://schemas.openxmlformats.org/officeDocument/2006/math" xmlns:a14="http://schemas.microsoft.com/office/drawing/2010/main" xmlns:ma14="http://schemas.microsoft.com/office/mac/drawingml/2011/main" val="1"/>
             </a:ext>
           </a:extLst>
         </p:spPr>
@@ -21609,7 +21629,7 @@
             <a:effectLst/>
             <a:extLst>
               <a:ext uri="{C572A759-6A51-4108-AA02-DFA0A04FC94B}">
-                <ma14:wrappingTextBoxFlag xmlns:ma14="http://schemas.microsoft.com/office/mac/drawingml/2011/main" xmlns:a14="http://schemas.microsoft.com/office/drawing/2010/main" xmlns:m="http://schemas.openxmlformats.org/officeDocument/2006/math" xmlns="" val="1"/>
+                <ma14:wrappingTextBoxFlag xmlns="" xmlns:m="http://schemas.openxmlformats.org/officeDocument/2006/math" xmlns:a14="http://schemas.microsoft.com/office/drawing/2010/main" xmlns:ma14="http://schemas.microsoft.com/office/mac/drawingml/2011/main" val="1"/>
               </a:ext>
             </a:extLst>
           </p:spPr>
@@ -21688,7 +21708,7 @@
           </a:ln>
           <a:extLst>
             <a:ext uri="{C572A759-6A51-4108-AA02-DFA0A04FC94B}">
-              <ma14:wrappingTextBoxFlag xmlns:ma14="http://schemas.microsoft.com/office/mac/drawingml/2011/main" xmlns:a14="http://schemas.microsoft.com/office/drawing/2010/main" xmlns:m="http://schemas.openxmlformats.org/officeDocument/2006/math" xmlns="" val="1"/>
+              <ma14:wrappingTextBoxFlag xmlns="" xmlns:m="http://schemas.openxmlformats.org/officeDocument/2006/math" xmlns:a14="http://schemas.microsoft.com/office/drawing/2010/main" xmlns:ma14="http://schemas.microsoft.com/office/mac/drawingml/2011/main" val="1"/>
             </a:ext>
           </a:extLst>
         </p:spPr>
@@ -21761,7 +21781,7 @@
           </a:ln>
           <a:extLst>
             <a:ext uri="{C572A759-6A51-4108-AA02-DFA0A04FC94B}">
-              <ma14:wrappingTextBoxFlag xmlns:ma14="http://schemas.microsoft.com/office/mac/drawingml/2011/main" xmlns:a14="http://schemas.microsoft.com/office/drawing/2010/main" xmlns:m="http://schemas.openxmlformats.org/officeDocument/2006/math" xmlns="" val="1"/>
+              <ma14:wrappingTextBoxFlag xmlns="" xmlns:m="http://schemas.openxmlformats.org/officeDocument/2006/math" xmlns:a14="http://schemas.microsoft.com/office/drawing/2010/main" xmlns:ma14="http://schemas.microsoft.com/office/mac/drawingml/2011/main" val="1"/>
             </a:ext>
           </a:extLst>
         </p:spPr>
@@ -21858,7 +21878,7 @@
           </a:ln>
           <a:extLst>
             <a:ext uri="{C572A759-6A51-4108-AA02-DFA0A04FC94B}">
-              <ma14:wrappingTextBoxFlag xmlns:ma14="http://schemas.microsoft.com/office/mac/drawingml/2011/main" xmlns:a14="http://schemas.microsoft.com/office/drawing/2010/main" xmlns:m="http://schemas.openxmlformats.org/officeDocument/2006/math" xmlns="" val="1"/>
+              <ma14:wrappingTextBoxFlag xmlns="" xmlns:m="http://schemas.openxmlformats.org/officeDocument/2006/math" xmlns:a14="http://schemas.microsoft.com/office/drawing/2010/main" xmlns:ma14="http://schemas.microsoft.com/office/mac/drawingml/2011/main" val="1"/>
             </a:ext>
           </a:extLst>
         </p:spPr>
@@ -22031,7 +22051,7 @@
           </a:ln>
           <a:extLst>
             <a:ext uri="{C572A759-6A51-4108-AA02-DFA0A04FC94B}">
-              <ma14:wrappingTextBoxFlag xmlns:ma14="http://schemas.microsoft.com/office/mac/drawingml/2011/main" xmlns:a14="http://schemas.microsoft.com/office/drawing/2010/main" xmlns:m="http://schemas.openxmlformats.org/officeDocument/2006/math" xmlns="" val="1"/>
+              <ma14:wrappingTextBoxFlag xmlns="" xmlns:m="http://schemas.openxmlformats.org/officeDocument/2006/math" xmlns:a14="http://schemas.microsoft.com/office/drawing/2010/main" xmlns:ma14="http://schemas.microsoft.com/office/mac/drawingml/2011/main" val="1"/>
             </a:ext>
           </a:extLst>
         </p:spPr>
@@ -22097,7 +22117,7 @@
           </a:ln>
           <a:extLst>
             <a:ext uri="{C572A759-6A51-4108-AA02-DFA0A04FC94B}">
-              <ma14:wrappingTextBoxFlag xmlns:ma14="http://schemas.microsoft.com/office/mac/drawingml/2011/main" xmlns:a14="http://schemas.microsoft.com/office/drawing/2010/main" xmlns:m="http://schemas.openxmlformats.org/officeDocument/2006/math" xmlns="" val="1"/>
+              <ma14:wrappingTextBoxFlag xmlns="" xmlns:m="http://schemas.openxmlformats.org/officeDocument/2006/math" xmlns:a14="http://schemas.microsoft.com/office/drawing/2010/main" xmlns:ma14="http://schemas.microsoft.com/office/mac/drawingml/2011/main" val="1"/>
             </a:ext>
           </a:extLst>
         </p:spPr>
@@ -22742,7 +22762,7 @@
           </a:ln>
           <a:extLst>
             <a:ext uri="{C572A759-6A51-4108-AA02-DFA0A04FC94B}">
-              <ma14:wrappingTextBoxFlag xmlns:ma14="http://schemas.microsoft.com/office/mac/drawingml/2011/main" xmlns:a14="http://schemas.microsoft.com/office/drawing/2010/main" xmlns:m="http://schemas.openxmlformats.org/officeDocument/2006/math" xmlns="" val="1"/>
+              <ma14:wrappingTextBoxFlag xmlns="" xmlns:m="http://schemas.openxmlformats.org/officeDocument/2006/math" xmlns:a14="http://schemas.microsoft.com/office/drawing/2010/main" xmlns:ma14="http://schemas.microsoft.com/office/mac/drawingml/2011/main" val="1"/>
             </a:ext>
           </a:extLst>
         </p:spPr>
@@ -22915,7 +22935,7 @@
           </a:ln>
           <a:extLst>
             <a:ext uri="{C572A759-6A51-4108-AA02-DFA0A04FC94B}">
-              <ma14:wrappingTextBoxFlag xmlns:ma14="http://schemas.microsoft.com/office/mac/drawingml/2011/main" xmlns:a14="http://schemas.microsoft.com/office/drawing/2010/main" xmlns:m="http://schemas.openxmlformats.org/officeDocument/2006/math" xmlns="" val="1"/>
+              <ma14:wrappingTextBoxFlag xmlns="" xmlns:m="http://schemas.openxmlformats.org/officeDocument/2006/math" xmlns:a14="http://schemas.microsoft.com/office/drawing/2010/main" xmlns:ma14="http://schemas.microsoft.com/office/mac/drawingml/2011/main" val="1"/>
             </a:ext>
           </a:extLst>
         </p:spPr>
@@ -22964,7 +22984,7 @@
           </a:ln>
           <a:extLst>
             <a:ext uri="{C572A759-6A51-4108-AA02-DFA0A04FC94B}">
-              <ma14:wrappingTextBoxFlag xmlns:ma14="http://schemas.microsoft.com/office/mac/drawingml/2011/main" xmlns:a14="http://schemas.microsoft.com/office/drawing/2010/main" xmlns:m="http://schemas.openxmlformats.org/officeDocument/2006/math" xmlns="" val="1"/>
+              <ma14:wrappingTextBoxFlag xmlns="" xmlns:m="http://schemas.openxmlformats.org/officeDocument/2006/math" xmlns:a14="http://schemas.microsoft.com/office/drawing/2010/main" xmlns:ma14="http://schemas.microsoft.com/office/mac/drawingml/2011/main" val="1"/>
             </a:ext>
           </a:extLst>
         </p:spPr>
@@ -23258,7 +23278,7 @@
           </a:ln>
           <a:extLst>
             <a:ext uri="{C572A759-6A51-4108-AA02-DFA0A04FC94B}">
-              <ma14:wrappingTextBoxFlag xmlns:ma14="http://schemas.microsoft.com/office/mac/drawingml/2011/main" xmlns:a14="http://schemas.microsoft.com/office/drawing/2010/main" xmlns:m="http://schemas.openxmlformats.org/officeDocument/2006/math" xmlns="" val="1"/>
+              <ma14:wrappingTextBoxFlag xmlns="" xmlns:m="http://schemas.openxmlformats.org/officeDocument/2006/math" xmlns:a14="http://schemas.microsoft.com/office/drawing/2010/main" xmlns:ma14="http://schemas.microsoft.com/office/mac/drawingml/2011/main" val="1"/>
             </a:ext>
           </a:extLst>
         </p:spPr>
@@ -23561,7 +23581,7 @@
             <a:effectLst/>
             <a:extLst>
               <a:ext uri="{C572A759-6A51-4108-AA02-DFA0A04FC94B}">
-                <ma14:wrappingTextBoxFlag xmlns:ma14="http://schemas.microsoft.com/office/mac/drawingml/2011/main" xmlns:a14="http://schemas.microsoft.com/office/drawing/2010/main" xmlns:m="http://schemas.openxmlformats.org/officeDocument/2006/math" xmlns="" val="1"/>
+                <ma14:wrappingTextBoxFlag xmlns="" xmlns:m="http://schemas.openxmlformats.org/officeDocument/2006/math" xmlns:a14="http://schemas.microsoft.com/office/drawing/2010/main" xmlns:ma14="http://schemas.microsoft.com/office/mac/drawingml/2011/main" val="1"/>
               </a:ext>
             </a:extLst>
           </p:spPr>
@@ -23673,7 +23693,7 @@
             <a:effectLst/>
             <a:extLst>
               <a:ext uri="{C572A759-6A51-4108-AA02-DFA0A04FC94B}">
-                <ma14:wrappingTextBoxFlag xmlns:ma14="http://schemas.microsoft.com/office/mac/drawingml/2011/main" xmlns:a14="http://schemas.microsoft.com/office/drawing/2010/main" xmlns:m="http://schemas.openxmlformats.org/officeDocument/2006/math" xmlns="" val="1"/>
+                <ma14:wrappingTextBoxFlag xmlns="" xmlns:m="http://schemas.openxmlformats.org/officeDocument/2006/math" xmlns:a14="http://schemas.microsoft.com/office/drawing/2010/main" xmlns:ma14="http://schemas.microsoft.com/office/mac/drawingml/2011/main" val="1"/>
               </a:ext>
             </a:extLst>
           </p:spPr>
@@ -23785,7 +23805,7 @@
             <a:effectLst/>
             <a:extLst>
               <a:ext uri="{C572A759-6A51-4108-AA02-DFA0A04FC94B}">
-                <ma14:wrappingTextBoxFlag xmlns:ma14="http://schemas.microsoft.com/office/mac/drawingml/2011/main" xmlns:a14="http://schemas.microsoft.com/office/drawing/2010/main" xmlns:m="http://schemas.openxmlformats.org/officeDocument/2006/math" xmlns="" val="1"/>
+                <ma14:wrappingTextBoxFlag xmlns="" xmlns:m="http://schemas.openxmlformats.org/officeDocument/2006/math" xmlns:a14="http://schemas.microsoft.com/office/drawing/2010/main" xmlns:ma14="http://schemas.microsoft.com/office/mac/drawingml/2011/main" val="1"/>
               </a:ext>
             </a:extLst>
           </p:spPr>
@@ -23897,7 +23917,7 @@
             <a:effectLst/>
             <a:extLst>
               <a:ext uri="{C572A759-6A51-4108-AA02-DFA0A04FC94B}">
-                <ma14:wrappingTextBoxFlag xmlns:ma14="http://schemas.microsoft.com/office/mac/drawingml/2011/main" xmlns:a14="http://schemas.microsoft.com/office/drawing/2010/main" xmlns:m="http://schemas.openxmlformats.org/officeDocument/2006/math" xmlns="" val="1"/>
+                <ma14:wrappingTextBoxFlag xmlns="" xmlns:m="http://schemas.openxmlformats.org/officeDocument/2006/math" xmlns:a14="http://schemas.microsoft.com/office/drawing/2010/main" xmlns:ma14="http://schemas.microsoft.com/office/mac/drawingml/2011/main" val="1"/>
               </a:ext>
             </a:extLst>
           </p:spPr>
@@ -23992,7 +24012,7 @@
             <a:effectLst/>
             <a:extLst>
               <a:ext uri="{C572A759-6A51-4108-AA02-DFA0A04FC94B}">
-                <ma14:wrappingTextBoxFlag xmlns:ma14="http://schemas.microsoft.com/office/mac/drawingml/2011/main" xmlns:a14="http://schemas.microsoft.com/office/drawing/2010/main" xmlns:m="http://schemas.openxmlformats.org/officeDocument/2006/math" xmlns="" val="1"/>
+                <ma14:wrappingTextBoxFlag xmlns="" xmlns:m="http://schemas.openxmlformats.org/officeDocument/2006/math" xmlns:a14="http://schemas.microsoft.com/office/drawing/2010/main" xmlns:ma14="http://schemas.microsoft.com/office/mac/drawingml/2011/main" val="1"/>
               </a:ext>
             </a:extLst>
           </p:spPr>
@@ -24033,7 +24053,7 @@
           </a:ln>
           <a:extLst>
             <a:ext uri="{C572A759-6A51-4108-AA02-DFA0A04FC94B}">
-              <ma14:wrappingTextBoxFlag xmlns:ma14="http://schemas.microsoft.com/office/mac/drawingml/2011/main" xmlns:a14="http://schemas.microsoft.com/office/drawing/2010/main" xmlns:m="http://schemas.openxmlformats.org/officeDocument/2006/math" xmlns="" val="1"/>
+              <ma14:wrappingTextBoxFlag xmlns="" xmlns:m="http://schemas.openxmlformats.org/officeDocument/2006/math" xmlns:a14="http://schemas.microsoft.com/office/drawing/2010/main" xmlns:ma14="http://schemas.microsoft.com/office/mac/drawingml/2011/main" val="1"/>
             </a:ext>
           </a:extLst>
         </p:spPr>
@@ -24071,7 +24091,7 @@
           </a:ln>
           <a:extLst>
             <a:ext uri="{C572A759-6A51-4108-AA02-DFA0A04FC94B}">
-              <ma14:wrappingTextBoxFlag xmlns:ma14="http://schemas.microsoft.com/office/mac/drawingml/2011/main" xmlns:a14="http://schemas.microsoft.com/office/drawing/2010/main" xmlns:m="http://schemas.openxmlformats.org/officeDocument/2006/math" xmlns="" val="1"/>
+              <ma14:wrappingTextBoxFlag xmlns="" xmlns:m="http://schemas.openxmlformats.org/officeDocument/2006/math" xmlns:a14="http://schemas.microsoft.com/office/drawing/2010/main" xmlns:ma14="http://schemas.microsoft.com/office/mac/drawingml/2011/main" val="1"/>
             </a:ext>
           </a:extLst>
         </p:spPr>
@@ -24109,7 +24129,7 @@
           </a:ln>
           <a:extLst>
             <a:ext uri="{C572A759-6A51-4108-AA02-DFA0A04FC94B}">
-              <ma14:wrappingTextBoxFlag xmlns:ma14="http://schemas.microsoft.com/office/mac/drawingml/2011/main" xmlns:a14="http://schemas.microsoft.com/office/drawing/2010/main" xmlns:m="http://schemas.openxmlformats.org/officeDocument/2006/math" xmlns="" val="1"/>
+              <ma14:wrappingTextBoxFlag xmlns="" xmlns:m="http://schemas.openxmlformats.org/officeDocument/2006/math" xmlns:a14="http://schemas.microsoft.com/office/drawing/2010/main" xmlns:ma14="http://schemas.microsoft.com/office/mac/drawingml/2011/main" val="1"/>
             </a:ext>
           </a:extLst>
         </p:spPr>
@@ -24147,7 +24167,7 @@
           </a:ln>
           <a:extLst>
             <a:ext uri="{C572A759-6A51-4108-AA02-DFA0A04FC94B}">
-              <ma14:wrappingTextBoxFlag xmlns:ma14="http://schemas.microsoft.com/office/mac/drawingml/2011/main" xmlns:a14="http://schemas.microsoft.com/office/drawing/2010/main" xmlns:m="http://schemas.openxmlformats.org/officeDocument/2006/math" xmlns="" val="1"/>
+              <ma14:wrappingTextBoxFlag xmlns="" xmlns:m="http://schemas.openxmlformats.org/officeDocument/2006/math" xmlns:a14="http://schemas.microsoft.com/office/drawing/2010/main" xmlns:ma14="http://schemas.microsoft.com/office/mac/drawingml/2011/main" val="1"/>
             </a:ext>
           </a:extLst>
         </p:spPr>
@@ -24185,7 +24205,7 @@
           </a:ln>
           <a:extLst>
             <a:ext uri="{C572A759-6A51-4108-AA02-DFA0A04FC94B}">
-              <ma14:wrappingTextBoxFlag xmlns:ma14="http://schemas.microsoft.com/office/mac/drawingml/2011/main" xmlns:a14="http://schemas.microsoft.com/office/drawing/2010/main" xmlns:m="http://schemas.openxmlformats.org/officeDocument/2006/math" xmlns="" val="1"/>
+              <ma14:wrappingTextBoxFlag xmlns="" xmlns:m="http://schemas.openxmlformats.org/officeDocument/2006/math" xmlns:a14="http://schemas.microsoft.com/office/drawing/2010/main" xmlns:ma14="http://schemas.microsoft.com/office/mac/drawingml/2011/main" val="1"/>
             </a:ext>
           </a:extLst>
         </p:spPr>
@@ -24223,7 +24243,7 @@
           </a:ln>
           <a:extLst>
             <a:ext uri="{C572A759-6A51-4108-AA02-DFA0A04FC94B}">
-              <ma14:wrappingTextBoxFlag xmlns:ma14="http://schemas.microsoft.com/office/mac/drawingml/2011/main" xmlns:a14="http://schemas.microsoft.com/office/drawing/2010/main" xmlns:m="http://schemas.openxmlformats.org/officeDocument/2006/math" xmlns="" val="1"/>
+              <ma14:wrappingTextBoxFlag xmlns="" xmlns:m="http://schemas.openxmlformats.org/officeDocument/2006/math" xmlns:a14="http://schemas.microsoft.com/office/drawing/2010/main" xmlns:ma14="http://schemas.microsoft.com/office/mac/drawingml/2011/main" val="1"/>
             </a:ext>
           </a:extLst>
         </p:spPr>
@@ -24261,7 +24281,7 @@
           </a:ln>
           <a:extLst>
             <a:ext uri="{C572A759-6A51-4108-AA02-DFA0A04FC94B}">
-              <ma14:wrappingTextBoxFlag xmlns:ma14="http://schemas.microsoft.com/office/mac/drawingml/2011/main" xmlns:a14="http://schemas.microsoft.com/office/drawing/2010/main" xmlns:m="http://schemas.openxmlformats.org/officeDocument/2006/math" xmlns="" val="1"/>
+              <ma14:wrappingTextBoxFlag xmlns="" xmlns:m="http://schemas.openxmlformats.org/officeDocument/2006/math" xmlns:a14="http://schemas.microsoft.com/office/drawing/2010/main" xmlns:ma14="http://schemas.microsoft.com/office/mac/drawingml/2011/main" val="1"/>
             </a:ext>
           </a:extLst>
         </p:spPr>
@@ -24299,7 +24319,7 @@
           </a:ln>
           <a:extLst>
             <a:ext uri="{C572A759-6A51-4108-AA02-DFA0A04FC94B}">
-              <ma14:wrappingTextBoxFlag xmlns:ma14="http://schemas.microsoft.com/office/mac/drawingml/2011/main" xmlns:a14="http://schemas.microsoft.com/office/drawing/2010/main" xmlns:m="http://schemas.openxmlformats.org/officeDocument/2006/math" xmlns="" val="1"/>
+              <ma14:wrappingTextBoxFlag xmlns="" xmlns:m="http://schemas.openxmlformats.org/officeDocument/2006/math" xmlns:a14="http://schemas.microsoft.com/office/drawing/2010/main" xmlns:ma14="http://schemas.microsoft.com/office/mac/drawingml/2011/main" val="1"/>
             </a:ext>
           </a:extLst>
         </p:spPr>
@@ -24334,7 +24354,7 @@
           </a:ln>
           <a:extLst>
             <a:ext uri="{C572A759-6A51-4108-AA02-DFA0A04FC94B}">
-              <ma14:wrappingTextBoxFlag xmlns:ma14="http://schemas.microsoft.com/office/mac/drawingml/2011/main" xmlns:a14="http://schemas.microsoft.com/office/drawing/2010/main" xmlns:m="http://schemas.openxmlformats.org/officeDocument/2006/math" xmlns="" val="1"/>
+              <ma14:wrappingTextBoxFlag xmlns="" xmlns:m="http://schemas.openxmlformats.org/officeDocument/2006/math" xmlns:a14="http://schemas.microsoft.com/office/drawing/2010/main" xmlns:ma14="http://schemas.microsoft.com/office/mac/drawingml/2011/main" val="1"/>
             </a:ext>
           </a:extLst>
         </p:spPr>
@@ -24382,7 +24402,7 @@
           </a:ln>
           <a:extLst>
             <a:ext uri="{C572A759-6A51-4108-AA02-DFA0A04FC94B}">
-              <ma14:wrappingTextBoxFlag xmlns:ma14="http://schemas.microsoft.com/office/mac/drawingml/2011/main" xmlns:a14="http://schemas.microsoft.com/office/drawing/2010/main" xmlns:m="http://schemas.openxmlformats.org/officeDocument/2006/math" xmlns="" val="1"/>
+              <ma14:wrappingTextBoxFlag xmlns="" xmlns:m="http://schemas.openxmlformats.org/officeDocument/2006/math" xmlns:a14="http://schemas.microsoft.com/office/drawing/2010/main" xmlns:ma14="http://schemas.microsoft.com/office/mac/drawingml/2011/main" val="1"/>
             </a:ext>
           </a:extLst>
         </p:spPr>
@@ -24427,7 +24447,7 @@
           </a:ln>
           <a:extLst>
             <a:ext uri="{C572A759-6A51-4108-AA02-DFA0A04FC94B}">
-              <ma14:wrappingTextBoxFlag xmlns:ma14="http://schemas.microsoft.com/office/mac/drawingml/2011/main" xmlns:a14="http://schemas.microsoft.com/office/drawing/2010/main" xmlns:m="http://schemas.openxmlformats.org/officeDocument/2006/math" xmlns="" val="1"/>
+              <ma14:wrappingTextBoxFlag xmlns="" xmlns:m="http://schemas.openxmlformats.org/officeDocument/2006/math" xmlns:a14="http://schemas.microsoft.com/office/drawing/2010/main" xmlns:ma14="http://schemas.microsoft.com/office/mac/drawingml/2011/main" val="1"/>
             </a:ext>
           </a:extLst>
         </p:spPr>
@@ -24472,7 +24492,7 @@
           </a:ln>
           <a:extLst>
             <a:ext uri="{C572A759-6A51-4108-AA02-DFA0A04FC94B}">
-              <ma14:wrappingTextBoxFlag xmlns:ma14="http://schemas.microsoft.com/office/mac/drawingml/2011/main" xmlns:a14="http://schemas.microsoft.com/office/drawing/2010/main" xmlns:m="http://schemas.openxmlformats.org/officeDocument/2006/math" xmlns="" val="1"/>
+              <ma14:wrappingTextBoxFlag xmlns="" xmlns:m="http://schemas.openxmlformats.org/officeDocument/2006/math" xmlns:a14="http://schemas.microsoft.com/office/drawing/2010/main" xmlns:ma14="http://schemas.microsoft.com/office/mac/drawingml/2011/main" val="1"/>
             </a:ext>
           </a:extLst>
         </p:spPr>
@@ -25424,7 +25444,7 @@
           </a:ln>
           <a:extLst>
             <a:ext uri="{C572A759-6A51-4108-AA02-DFA0A04FC94B}">
-              <ma14:wrappingTextBoxFlag xmlns:ma14="http://schemas.microsoft.com/office/mac/drawingml/2011/main" xmlns:a14="http://schemas.microsoft.com/office/drawing/2010/main" xmlns:m="http://schemas.openxmlformats.org/officeDocument/2006/math" xmlns="" val="1"/>
+              <ma14:wrappingTextBoxFlag xmlns="" xmlns:m="http://schemas.openxmlformats.org/officeDocument/2006/math" xmlns:a14="http://schemas.microsoft.com/office/drawing/2010/main" xmlns:ma14="http://schemas.microsoft.com/office/mac/drawingml/2011/main" val="1"/>
             </a:ext>
           </a:extLst>
         </p:spPr>
@@ -25464,7 +25484,7 @@
           </a:ln>
           <a:extLst>
             <a:ext uri="{C572A759-6A51-4108-AA02-DFA0A04FC94B}">
-              <ma14:wrappingTextBoxFlag xmlns:ma14="http://schemas.microsoft.com/office/mac/drawingml/2011/main" xmlns:a14="http://schemas.microsoft.com/office/drawing/2010/main" xmlns:m="http://schemas.openxmlformats.org/officeDocument/2006/math" xmlns="" val="1"/>
+              <ma14:wrappingTextBoxFlag xmlns="" xmlns:m="http://schemas.openxmlformats.org/officeDocument/2006/math" xmlns:a14="http://schemas.microsoft.com/office/drawing/2010/main" xmlns:ma14="http://schemas.microsoft.com/office/mac/drawingml/2011/main" val="1"/>
             </a:ext>
           </a:extLst>
         </p:spPr>
@@ -25503,7 +25523,7 @@
           </a:ln>
           <a:extLst>
             <a:ext uri="{C572A759-6A51-4108-AA02-DFA0A04FC94B}">
-              <ma14:wrappingTextBoxFlag xmlns:ma14="http://schemas.microsoft.com/office/mac/drawingml/2011/main" xmlns:a14="http://schemas.microsoft.com/office/drawing/2010/main" xmlns:m="http://schemas.openxmlformats.org/officeDocument/2006/math" xmlns="" val="1"/>
+              <ma14:wrappingTextBoxFlag xmlns="" xmlns:m="http://schemas.openxmlformats.org/officeDocument/2006/math" xmlns:a14="http://schemas.microsoft.com/office/drawing/2010/main" xmlns:ma14="http://schemas.microsoft.com/office/mac/drawingml/2011/main" val="1"/>
             </a:ext>
           </a:extLst>
         </p:spPr>
@@ -25876,7 +25896,7 @@
           </a:ln>
           <a:extLst>
             <a:ext uri="{C572A759-6A51-4108-AA02-DFA0A04FC94B}">
-              <ma14:wrappingTextBoxFlag xmlns:ma14="http://schemas.microsoft.com/office/mac/drawingml/2011/main" xmlns:a14="http://schemas.microsoft.com/office/drawing/2010/main" xmlns:m="http://schemas.openxmlformats.org/officeDocument/2006/math" xmlns="" val="1"/>
+              <ma14:wrappingTextBoxFlag xmlns="" xmlns:m="http://schemas.openxmlformats.org/officeDocument/2006/math" xmlns:a14="http://schemas.microsoft.com/office/drawing/2010/main" xmlns:ma14="http://schemas.microsoft.com/office/mac/drawingml/2011/main" val="1"/>
             </a:ext>
           </a:extLst>
         </p:spPr>
@@ -25915,7 +25935,7 @@
           </a:ln>
           <a:extLst>
             <a:ext uri="{C572A759-6A51-4108-AA02-DFA0A04FC94B}">
-              <ma14:wrappingTextBoxFlag xmlns:ma14="http://schemas.microsoft.com/office/mac/drawingml/2011/main" xmlns:a14="http://schemas.microsoft.com/office/drawing/2010/main" xmlns:m="http://schemas.openxmlformats.org/officeDocument/2006/math" xmlns="" val="1"/>
+              <ma14:wrappingTextBoxFlag xmlns="" xmlns:m="http://schemas.openxmlformats.org/officeDocument/2006/math" xmlns:a14="http://schemas.microsoft.com/office/drawing/2010/main" xmlns:ma14="http://schemas.microsoft.com/office/mac/drawingml/2011/main" val="1"/>
             </a:ext>
           </a:extLst>
         </p:spPr>
@@ -26326,7 +26346,7 @@
           </a:ln>
           <a:extLst>
             <a:ext uri="{C572A759-6A51-4108-AA02-DFA0A04FC94B}">
-              <ma14:wrappingTextBoxFlag xmlns:ma14="http://schemas.microsoft.com/office/mac/drawingml/2011/main" xmlns:a14="http://schemas.microsoft.com/office/drawing/2010/main" xmlns:m="http://schemas.openxmlformats.org/officeDocument/2006/math" xmlns="" val="1"/>
+              <ma14:wrappingTextBoxFlag xmlns="" xmlns:m="http://schemas.openxmlformats.org/officeDocument/2006/math" xmlns:a14="http://schemas.microsoft.com/office/drawing/2010/main" xmlns:ma14="http://schemas.microsoft.com/office/mac/drawingml/2011/main" val="1"/>
             </a:ext>
           </a:extLst>
         </p:spPr>
@@ -26412,7 +26432,7 @@
           </a:ln>
           <a:extLst>
             <a:ext uri="{C572A759-6A51-4108-AA02-DFA0A04FC94B}">
-              <ma14:wrappingTextBoxFlag xmlns:ma14="http://schemas.microsoft.com/office/mac/drawingml/2011/main" xmlns:a14="http://schemas.microsoft.com/office/drawing/2010/main" xmlns:m="http://schemas.openxmlformats.org/officeDocument/2006/math" xmlns="" val="1"/>
+              <ma14:wrappingTextBoxFlag xmlns="" xmlns:m="http://schemas.openxmlformats.org/officeDocument/2006/math" xmlns:a14="http://schemas.microsoft.com/office/drawing/2010/main" xmlns:ma14="http://schemas.microsoft.com/office/mac/drawingml/2011/main" val="1"/>
             </a:ext>
           </a:extLst>
         </p:spPr>
@@ -26535,7 +26555,7 @@
           </a:ln>
           <a:extLst>
             <a:ext uri="{C572A759-6A51-4108-AA02-DFA0A04FC94B}">
-              <ma14:wrappingTextBoxFlag xmlns:ma14="http://schemas.microsoft.com/office/mac/drawingml/2011/main" xmlns:a14="http://schemas.microsoft.com/office/drawing/2010/main" xmlns:m="http://schemas.openxmlformats.org/officeDocument/2006/math" xmlns="" val="1"/>
+              <ma14:wrappingTextBoxFlag xmlns="" xmlns:m="http://schemas.openxmlformats.org/officeDocument/2006/math" xmlns:a14="http://schemas.microsoft.com/office/drawing/2010/main" xmlns:ma14="http://schemas.microsoft.com/office/mac/drawingml/2011/main" val="1"/>
             </a:ext>
           </a:extLst>
         </p:spPr>
@@ -26704,7 +26724,7 @@
           </a:ln>
           <a:extLst>
             <a:ext uri="{C572A759-6A51-4108-AA02-DFA0A04FC94B}">
-              <ma14:wrappingTextBoxFlag xmlns:ma14="http://schemas.microsoft.com/office/mac/drawingml/2011/main" xmlns:a14="http://schemas.microsoft.com/office/drawing/2010/main" xmlns:m="http://schemas.openxmlformats.org/officeDocument/2006/math" xmlns="" val="1"/>
+              <ma14:wrappingTextBoxFlag xmlns="" xmlns:m="http://schemas.openxmlformats.org/officeDocument/2006/math" xmlns:a14="http://schemas.microsoft.com/office/drawing/2010/main" xmlns:ma14="http://schemas.microsoft.com/office/mac/drawingml/2011/main" val="1"/>
             </a:ext>
           </a:extLst>
         </p:spPr>
@@ -26834,7 +26854,7 @@
           </a:ln>
           <a:extLst>
             <a:ext uri="{C572A759-6A51-4108-AA02-DFA0A04FC94B}">
-              <ma14:wrappingTextBoxFlag xmlns:ma14="http://schemas.microsoft.com/office/mac/drawingml/2011/main" xmlns:a14="http://schemas.microsoft.com/office/drawing/2010/main" xmlns:m="http://schemas.openxmlformats.org/officeDocument/2006/math" xmlns="" val="1"/>
+              <ma14:wrappingTextBoxFlag xmlns="" xmlns:m="http://schemas.openxmlformats.org/officeDocument/2006/math" xmlns:a14="http://schemas.microsoft.com/office/drawing/2010/main" xmlns:ma14="http://schemas.microsoft.com/office/mac/drawingml/2011/main" val="1"/>
             </a:ext>
           </a:extLst>
         </p:spPr>
@@ -27394,7 +27414,7 @@
             <a:effectLst/>
             <a:extLst>
               <a:ext uri="{C572A759-6A51-4108-AA02-DFA0A04FC94B}">
-                <ma14:wrappingTextBoxFlag xmlns:ma14="http://schemas.microsoft.com/office/mac/drawingml/2011/main" xmlns:a14="http://schemas.microsoft.com/office/drawing/2010/main" xmlns:m="http://schemas.openxmlformats.org/officeDocument/2006/math" xmlns="" val="1"/>
+                <ma14:wrappingTextBoxFlag xmlns="" xmlns:m="http://schemas.openxmlformats.org/officeDocument/2006/math" xmlns:a14="http://schemas.microsoft.com/office/drawing/2010/main" xmlns:ma14="http://schemas.microsoft.com/office/mac/drawingml/2011/main" val="1"/>
               </a:ext>
             </a:extLst>
           </p:spPr>
@@ -27473,7 +27493,7 @@
           </a:ln>
           <a:extLst>
             <a:ext uri="{C572A759-6A51-4108-AA02-DFA0A04FC94B}">
-              <ma14:wrappingTextBoxFlag xmlns:ma14="http://schemas.microsoft.com/office/mac/drawingml/2011/main" xmlns:a14="http://schemas.microsoft.com/office/drawing/2010/main" xmlns:m="http://schemas.openxmlformats.org/officeDocument/2006/math" xmlns="" val="1"/>
+              <ma14:wrappingTextBoxFlag xmlns="" xmlns:m="http://schemas.openxmlformats.org/officeDocument/2006/math" xmlns:a14="http://schemas.microsoft.com/office/drawing/2010/main" xmlns:ma14="http://schemas.microsoft.com/office/mac/drawingml/2011/main" val="1"/>
             </a:ext>
           </a:extLst>
         </p:spPr>
@@ -27546,7 +27566,7 @@
           </a:ln>
           <a:extLst>
             <a:ext uri="{C572A759-6A51-4108-AA02-DFA0A04FC94B}">
-              <ma14:wrappingTextBoxFlag xmlns:ma14="http://schemas.microsoft.com/office/mac/drawingml/2011/main" xmlns:a14="http://schemas.microsoft.com/office/drawing/2010/main" xmlns:m="http://schemas.openxmlformats.org/officeDocument/2006/math" xmlns="" val="1"/>
+              <ma14:wrappingTextBoxFlag xmlns="" xmlns:m="http://schemas.openxmlformats.org/officeDocument/2006/math" xmlns:a14="http://schemas.microsoft.com/office/drawing/2010/main" xmlns:ma14="http://schemas.microsoft.com/office/mac/drawingml/2011/main" val="1"/>
             </a:ext>
           </a:extLst>
         </p:spPr>
@@ -28233,7 +28253,7 @@
           </a:ln>
           <a:extLst>
             <a:ext uri="{C572A759-6A51-4108-AA02-DFA0A04FC94B}">
-              <ma14:wrappingTextBoxFlag xmlns:ma14="http://schemas.microsoft.com/office/mac/drawingml/2011/main" xmlns:a14="http://schemas.microsoft.com/office/drawing/2010/main" xmlns:m="http://schemas.openxmlformats.org/officeDocument/2006/math" xmlns="" val="1"/>
+              <ma14:wrappingTextBoxFlag xmlns="" xmlns:m="http://schemas.openxmlformats.org/officeDocument/2006/math" xmlns:a14="http://schemas.microsoft.com/office/drawing/2010/main" xmlns:ma14="http://schemas.microsoft.com/office/mac/drawingml/2011/main" val="1"/>
             </a:ext>
           </a:extLst>
         </p:spPr>
@@ -28329,7 +28349,7 @@
           </a:ln>
           <a:extLst>
             <a:ext uri="{C572A759-6A51-4108-AA02-DFA0A04FC94B}">
-              <ma14:wrappingTextBoxFlag xmlns:ma14="http://schemas.microsoft.com/office/mac/drawingml/2011/main" xmlns:a14="http://schemas.microsoft.com/office/drawing/2010/main" xmlns:m="http://schemas.openxmlformats.org/officeDocument/2006/math" xmlns="" val="1"/>
+              <ma14:wrappingTextBoxFlag xmlns="" xmlns:m="http://schemas.openxmlformats.org/officeDocument/2006/math" xmlns:a14="http://schemas.microsoft.com/office/drawing/2010/main" xmlns:ma14="http://schemas.microsoft.com/office/mac/drawingml/2011/main" val="1"/>
             </a:ext>
           </a:extLst>
         </p:spPr>
@@ -28368,7 +28388,7 @@
           </a:ln>
           <a:extLst>
             <a:ext uri="{C572A759-6A51-4108-AA02-DFA0A04FC94B}">
-              <ma14:wrappingTextBoxFlag xmlns:ma14="http://schemas.microsoft.com/office/mac/drawingml/2011/main" xmlns:a14="http://schemas.microsoft.com/office/drawing/2010/main" xmlns:m="http://schemas.openxmlformats.org/officeDocument/2006/math" xmlns="" val="1"/>
+              <ma14:wrappingTextBoxFlag xmlns="" xmlns:m="http://schemas.openxmlformats.org/officeDocument/2006/math" xmlns:a14="http://schemas.microsoft.com/office/drawing/2010/main" xmlns:ma14="http://schemas.microsoft.com/office/mac/drawingml/2011/main" val="1"/>
             </a:ext>
           </a:extLst>
         </p:spPr>
@@ -28401,7 +28421,7 @@
           </a:ln>
           <a:extLst>
             <a:ext uri="{C572A759-6A51-4108-AA02-DFA0A04FC94B}">
-              <ma14:wrappingTextBoxFlag xmlns:ma14="http://schemas.microsoft.com/office/mac/drawingml/2011/main" xmlns:a14="http://schemas.microsoft.com/office/drawing/2010/main" xmlns:m="http://schemas.openxmlformats.org/officeDocument/2006/math" xmlns="" val="1"/>
+              <ma14:wrappingTextBoxFlag xmlns="" xmlns:m="http://schemas.openxmlformats.org/officeDocument/2006/math" xmlns:a14="http://schemas.microsoft.com/office/drawing/2010/main" xmlns:ma14="http://schemas.microsoft.com/office/mac/drawingml/2011/main" val="1"/>
             </a:ext>
           </a:extLst>
         </p:spPr>
@@ -28441,7 +28461,7 @@
           </a:ln>
           <a:extLst>
             <a:ext uri="{C572A759-6A51-4108-AA02-DFA0A04FC94B}">
-              <ma14:wrappingTextBoxFlag xmlns:ma14="http://schemas.microsoft.com/office/mac/drawingml/2011/main" xmlns:a14="http://schemas.microsoft.com/office/drawing/2010/main" xmlns:m="http://schemas.openxmlformats.org/officeDocument/2006/math" xmlns="" val="1"/>
+              <ma14:wrappingTextBoxFlag xmlns="" xmlns:m="http://schemas.openxmlformats.org/officeDocument/2006/math" xmlns:a14="http://schemas.microsoft.com/office/drawing/2010/main" xmlns:ma14="http://schemas.microsoft.com/office/mac/drawingml/2011/main" val="1"/>
             </a:ext>
           </a:extLst>
         </p:spPr>
@@ -28806,7 +28826,7 @@
           </a:ln>
           <a:extLst>
             <a:ext uri="{C572A759-6A51-4108-AA02-DFA0A04FC94B}">
-              <ma14:wrappingTextBoxFlag xmlns:ma14="http://schemas.microsoft.com/office/mac/drawingml/2011/main" xmlns:a14="http://schemas.microsoft.com/office/drawing/2010/main" xmlns:m="http://schemas.openxmlformats.org/officeDocument/2006/math" xmlns="" val="1"/>
+              <ma14:wrappingTextBoxFlag xmlns="" xmlns:m="http://schemas.openxmlformats.org/officeDocument/2006/math" xmlns:a14="http://schemas.microsoft.com/office/drawing/2010/main" xmlns:ma14="http://schemas.microsoft.com/office/mac/drawingml/2011/main" val="1"/>
             </a:ext>
           </a:extLst>
         </p:spPr>
@@ -28856,7 +28876,7 @@
           </a:ln>
           <a:extLst>
             <a:ext uri="{C572A759-6A51-4108-AA02-DFA0A04FC94B}">
-              <ma14:wrappingTextBoxFlag xmlns:ma14="http://schemas.microsoft.com/office/mac/drawingml/2011/main" xmlns:a14="http://schemas.microsoft.com/office/drawing/2010/main" xmlns:m="http://schemas.openxmlformats.org/officeDocument/2006/math" xmlns="" val="1"/>
+              <ma14:wrappingTextBoxFlag xmlns="" xmlns:m="http://schemas.openxmlformats.org/officeDocument/2006/math" xmlns:a14="http://schemas.microsoft.com/office/drawing/2010/main" xmlns:ma14="http://schemas.microsoft.com/office/mac/drawingml/2011/main" val="1"/>
             </a:ext>
           </a:extLst>
         </p:spPr>
@@ -28918,7 +28938,7 @@
           </a:ln>
           <a:extLst>
             <a:ext uri="{C572A759-6A51-4108-AA02-DFA0A04FC94B}">
-              <ma14:wrappingTextBoxFlag xmlns:ma14="http://schemas.microsoft.com/office/mac/drawingml/2011/main" xmlns:a14="http://schemas.microsoft.com/office/drawing/2010/main" xmlns:m="http://schemas.openxmlformats.org/officeDocument/2006/math" xmlns="" val="1"/>
+              <ma14:wrappingTextBoxFlag xmlns="" xmlns:m="http://schemas.openxmlformats.org/officeDocument/2006/math" xmlns:a14="http://schemas.microsoft.com/office/drawing/2010/main" xmlns:ma14="http://schemas.microsoft.com/office/mac/drawingml/2011/main" val="1"/>
             </a:ext>
           </a:extLst>
         </p:spPr>
@@ -29428,7 +29448,7 @@
             <a:effectLst/>
             <a:extLst>
               <a:ext uri="{C572A759-6A51-4108-AA02-DFA0A04FC94B}">
-                <ma14:wrappingTextBoxFlag xmlns:ma14="http://schemas.microsoft.com/office/mac/drawingml/2011/main" xmlns:a14="http://schemas.microsoft.com/office/drawing/2010/main" xmlns:m="http://schemas.openxmlformats.org/officeDocument/2006/math" xmlns="" val="1"/>
+                <ma14:wrappingTextBoxFlag xmlns="" xmlns:m="http://schemas.openxmlformats.org/officeDocument/2006/math" xmlns:a14="http://schemas.microsoft.com/office/drawing/2010/main" xmlns:ma14="http://schemas.microsoft.com/office/mac/drawingml/2011/main" val="1"/>
               </a:ext>
             </a:extLst>
           </p:spPr>
@@ -29507,7 +29527,7 @@
           </a:ln>
           <a:extLst>
             <a:ext uri="{C572A759-6A51-4108-AA02-DFA0A04FC94B}">
-              <ma14:wrappingTextBoxFlag xmlns:ma14="http://schemas.microsoft.com/office/mac/drawingml/2011/main" xmlns:a14="http://schemas.microsoft.com/office/drawing/2010/main" xmlns:m="http://schemas.openxmlformats.org/officeDocument/2006/math" xmlns="" val="1"/>
+              <ma14:wrappingTextBoxFlag xmlns="" xmlns:m="http://schemas.openxmlformats.org/officeDocument/2006/math" xmlns:a14="http://schemas.microsoft.com/office/drawing/2010/main" xmlns:ma14="http://schemas.microsoft.com/office/mac/drawingml/2011/main" val="1"/>
             </a:ext>
           </a:extLst>
         </p:spPr>
@@ -29580,7 +29600,7 @@
           </a:ln>
           <a:extLst>
             <a:ext uri="{C572A759-6A51-4108-AA02-DFA0A04FC94B}">
-              <ma14:wrappingTextBoxFlag xmlns:ma14="http://schemas.microsoft.com/office/mac/drawingml/2011/main" xmlns:a14="http://schemas.microsoft.com/office/drawing/2010/main" xmlns:m="http://schemas.openxmlformats.org/officeDocument/2006/math" xmlns="" val="1"/>
+              <ma14:wrappingTextBoxFlag xmlns="" xmlns:m="http://schemas.openxmlformats.org/officeDocument/2006/math" xmlns:a14="http://schemas.microsoft.com/office/drawing/2010/main" xmlns:ma14="http://schemas.microsoft.com/office/mac/drawingml/2011/main" val="1"/>
             </a:ext>
           </a:extLst>
         </p:spPr>
@@ -29782,7 +29802,7 @@
           </a:ln>
           <a:extLst>
             <a:ext uri="{C572A759-6A51-4108-AA02-DFA0A04FC94B}">
-              <ma14:wrappingTextBoxFlag xmlns:ma14="http://schemas.microsoft.com/office/mac/drawingml/2011/main" xmlns:a14="http://schemas.microsoft.com/office/drawing/2010/main" xmlns:m="http://schemas.openxmlformats.org/officeDocument/2006/math" xmlns="" val="1"/>
+              <ma14:wrappingTextBoxFlag xmlns="" xmlns:m="http://schemas.openxmlformats.org/officeDocument/2006/math" xmlns:a14="http://schemas.microsoft.com/office/drawing/2010/main" xmlns:ma14="http://schemas.microsoft.com/office/mac/drawingml/2011/main" val="1"/>
             </a:ext>
           </a:extLst>
         </p:spPr>
@@ -29910,7 +29930,7 @@
           </a:ln>
           <a:extLst>
             <a:ext uri="{C572A759-6A51-4108-AA02-DFA0A04FC94B}">
-              <ma14:wrappingTextBoxFlag xmlns:ma14="http://schemas.microsoft.com/office/mac/drawingml/2011/main" xmlns:a14="http://schemas.microsoft.com/office/drawing/2010/main" xmlns:m="http://schemas.openxmlformats.org/officeDocument/2006/math" xmlns="" val="1"/>
+              <ma14:wrappingTextBoxFlag xmlns="" xmlns:m="http://schemas.openxmlformats.org/officeDocument/2006/math" xmlns:a14="http://schemas.microsoft.com/office/drawing/2010/main" xmlns:ma14="http://schemas.microsoft.com/office/mac/drawingml/2011/main" val="1"/>
             </a:ext>
           </a:extLst>
         </p:spPr>
@@ -29949,7 +29969,7 @@
           </a:ln>
           <a:extLst>
             <a:ext uri="{C572A759-6A51-4108-AA02-DFA0A04FC94B}">
-              <ma14:wrappingTextBoxFlag xmlns:ma14="http://schemas.microsoft.com/office/mac/drawingml/2011/main" xmlns:a14="http://schemas.microsoft.com/office/drawing/2010/main" xmlns:m="http://schemas.openxmlformats.org/officeDocument/2006/math" xmlns="" val="1"/>
+              <ma14:wrappingTextBoxFlag xmlns="" xmlns:m="http://schemas.openxmlformats.org/officeDocument/2006/math" xmlns:a14="http://schemas.microsoft.com/office/drawing/2010/main" xmlns:ma14="http://schemas.microsoft.com/office/mac/drawingml/2011/main" val="1"/>
             </a:ext>
           </a:extLst>
         </p:spPr>
@@ -30019,7 +30039,7 @@
           </a:ln>
           <a:extLst>
             <a:ext uri="{C572A759-6A51-4108-AA02-DFA0A04FC94B}">
-              <ma14:wrappingTextBoxFlag xmlns:ma14="http://schemas.microsoft.com/office/mac/drawingml/2011/main" xmlns:a14="http://schemas.microsoft.com/office/drawing/2010/main" xmlns:m="http://schemas.openxmlformats.org/officeDocument/2006/math" xmlns="" val="1"/>
+              <ma14:wrappingTextBoxFlag xmlns="" xmlns:m="http://schemas.openxmlformats.org/officeDocument/2006/math" xmlns:a14="http://schemas.microsoft.com/office/drawing/2010/main" xmlns:ma14="http://schemas.microsoft.com/office/mac/drawingml/2011/main" val="1"/>
             </a:ext>
           </a:extLst>
         </p:spPr>
@@ -30442,7 +30462,7 @@
           </a:ln>
           <a:extLst>
             <a:ext uri="{C572A759-6A51-4108-AA02-DFA0A04FC94B}">
-              <ma14:wrappingTextBoxFlag xmlns:ma14="http://schemas.microsoft.com/office/mac/drawingml/2011/main" xmlns:a14="http://schemas.microsoft.com/office/drawing/2010/main" xmlns:m="http://schemas.openxmlformats.org/officeDocument/2006/math" xmlns="" val="1"/>
+              <ma14:wrappingTextBoxFlag xmlns="" xmlns:m="http://schemas.openxmlformats.org/officeDocument/2006/math" xmlns:a14="http://schemas.microsoft.com/office/drawing/2010/main" xmlns:ma14="http://schemas.microsoft.com/office/mac/drawingml/2011/main" val="1"/>
             </a:ext>
           </a:extLst>
         </p:spPr>
@@ -30483,7 +30503,7 @@
           </a:ln>
           <a:extLst>
             <a:ext uri="{C572A759-6A51-4108-AA02-DFA0A04FC94B}">
-              <ma14:wrappingTextBoxFlag xmlns:ma14="http://schemas.microsoft.com/office/mac/drawingml/2011/main" xmlns:a14="http://schemas.microsoft.com/office/drawing/2010/main" xmlns:m="http://schemas.openxmlformats.org/officeDocument/2006/math" xmlns="" val="1"/>
+              <ma14:wrappingTextBoxFlag xmlns="" xmlns:m="http://schemas.openxmlformats.org/officeDocument/2006/math" xmlns:a14="http://schemas.microsoft.com/office/drawing/2010/main" xmlns:ma14="http://schemas.microsoft.com/office/mac/drawingml/2011/main" val="1"/>
             </a:ext>
           </a:extLst>
         </p:spPr>
@@ -30534,7 +30554,7 @@
           </a:ln>
           <a:extLst>
             <a:ext uri="{C572A759-6A51-4108-AA02-DFA0A04FC94B}">
-              <ma14:wrappingTextBoxFlag xmlns:ma14="http://schemas.microsoft.com/office/mac/drawingml/2011/main" xmlns:a14="http://schemas.microsoft.com/office/drawing/2010/main" xmlns:m="http://schemas.openxmlformats.org/officeDocument/2006/math" xmlns="" val="1"/>
+              <ma14:wrappingTextBoxFlag xmlns="" xmlns:m="http://schemas.openxmlformats.org/officeDocument/2006/math" xmlns:a14="http://schemas.microsoft.com/office/drawing/2010/main" xmlns:ma14="http://schemas.microsoft.com/office/mac/drawingml/2011/main" val="1"/>
             </a:ext>
           </a:extLst>
         </p:spPr>
